--- a/AIS-Triple-to-Text.pptx
+++ b/AIS-Triple-to-Text.pptx
@@ -212,7 +212,7 @@
           <a:p>
             <a:fld id="{2F5B520C-0D36-4C65-9085-E4CC2028B5D1}" type="datetimeFigureOut">
               <a:rPr lang="zh-CN" altLang="en-US" smtClean="0"/>
-              <a:t>19.5.24</a:t>
+              <a:t>19.5.25</a:t>
             </a:fld>
             <a:endParaRPr lang="zh-CN" altLang="en-US"/>
           </a:p>
@@ -1618,7 +1618,7 @@
           <a:p>
             <a:fld id="{28FA76F6-06BC-405D-ABEC-4A7F79F52191}" type="datetimeFigureOut">
               <a:rPr lang="en-US" smtClean="0"/>
-              <a:t>5/24/2019</a:t>
+              <a:t>5/25/2019</a:t>
             </a:fld>
             <a:endParaRPr lang="en-US"/>
           </a:p>
@@ -1923,7 +1923,7 @@
             <a:fld id="{28FA76F6-06BC-405D-ABEC-4A7F79F52191}" type="datetimeFigureOut">
               <a:rPr lang="en-US" smtClean="0"/>
               <a:pPr/>
-              <a:t>5/24/2019</a:t>
+              <a:t>5/25/2019</a:t>
             </a:fld>
             <a:endParaRPr lang="en-US"/>
           </a:p>
@@ -2105,7 +2105,7 @@
             <a:fld id="{28FA76F6-06BC-405D-ABEC-4A7F79F52191}" type="datetimeFigureOut">
               <a:rPr lang="en-US" smtClean="0"/>
               <a:pPr/>
-              <a:t>5/24/2019</a:t>
+              <a:t>5/25/2019</a:t>
             </a:fld>
             <a:endParaRPr lang="en-US"/>
           </a:p>
@@ -2292,7 +2292,7 @@
           <a:p>
             <a:fld id="{28FA76F6-06BC-405D-ABEC-4A7F79F52191}" type="datetimeFigureOut">
               <a:rPr lang="en-US" smtClean="0"/>
-              <a:t>5/24/2019</a:t>
+              <a:t>5/25/2019</a:t>
             </a:fld>
             <a:endParaRPr lang="en-US"/>
           </a:p>
@@ -2575,7 +2575,7 @@
           <a:p>
             <a:fld id="{28FA76F6-06BC-405D-ABEC-4A7F79F52191}" type="datetimeFigureOut">
               <a:rPr lang="en-US" smtClean="0"/>
-              <a:t>5/24/2019</a:t>
+              <a:t>5/25/2019</a:t>
             </a:fld>
             <a:endParaRPr lang="en-US"/>
           </a:p>
@@ -2807,7 +2807,7 @@
           <a:p>
             <a:fld id="{28FA76F6-06BC-405D-ABEC-4A7F79F52191}" type="datetimeFigureOut">
               <a:rPr lang="en-US" smtClean="0"/>
-              <a:t>5/24/2019</a:t>
+              <a:t>5/25/2019</a:t>
             </a:fld>
             <a:endParaRPr lang="en-US"/>
           </a:p>
@@ -3211,7 +3211,7 @@
           <a:p>
             <a:fld id="{28FA76F6-06BC-405D-ABEC-4A7F79F52191}" type="datetimeFigureOut">
               <a:rPr lang="en-US" smtClean="0"/>
-              <a:t>5/24/2019</a:t>
+              <a:t>5/25/2019</a:t>
             </a:fld>
             <a:endParaRPr lang="en-US"/>
           </a:p>
@@ -3366,7 +3366,7 @@
           <a:p>
             <a:fld id="{28FA76F6-06BC-405D-ABEC-4A7F79F52191}" type="datetimeFigureOut">
               <a:rPr lang="en-US" smtClean="0"/>
-              <a:t>5/24/2019</a:t>
+              <a:t>5/25/2019</a:t>
             </a:fld>
             <a:endParaRPr lang="en-US"/>
           </a:p>
@@ -3498,7 +3498,7 @@
           <a:p>
             <a:fld id="{28FA76F6-06BC-405D-ABEC-4A7F79F52191}" type="datetimeFigureOut">
               <a:rPr lang="en-US" smtClean="0"/>
-              <a:t>5/24/2019</a:t>
+              <a:t>5/25/2019</a:t>
             </a:fld>
             <a:endParaRPr lang="en-US"/>
           </a:p>
@@ -3812,7 +3812,7 @@
           <a:p>
             <a:fld id="{28FA76F6-06BC-405D-ABEC-4A7F79F52191}" type="datetimeFigureOut">
               <a:rPr lang="en-US" smtClean="0"/>
-              <a:t>5/24/2019</a:t>
+              <a:t>5/25/2019</a:t>
             </a:fld>
             <a:endParaRPr lang="en-US"/>
           </a:p>
@@ -4238,7 +4238,7 @@
             <a:fld id="{28FA76F6-06BC-405D-ABEC-4A7F79F52191}" type="datetimeFigureOut">
               <a:rPr lang="en-US" smtClean="0"/>
               <a:pPr/>
-              <a:t>5/24/2019</a:t>
+              <a:t>5/25/2019</a:t>
             </a:fld>
             <a:endParaRPr lang="en-US"/>
           </a:p>
@@ -4453,7 +4453,7 @@
             <a:fld id="{28FA76F6-06BC-405D-ABEC-4A7F79F52191}" type="datetimeFigureOut">
               <a:rPr lang="en-US" smtClean="0"/>
               <a:pPr/>
-              <a:t>5/24/2019</a:t>
+              <a:t>5/25/2019</a:t>
             </a:fld>
             <a:endParaRPr lang="en-US"/>
           </a:p>
@@ -6146,7 +6146,7 @@
         </p:nvSpPr>
         <p:spPr>
           <a:xfrm>
-            <a:off x="4569541" y="2479388"/>
+            <a:off x="4058267" y="1729652"/>
             <a:ext cx="3315929" cy="1325563"/>
           </a:xfrm>
         </p:spPr>
@@ -6158,11 +6158,412 @@
           <a:p>
             <a:r>
               <a:rPr lang="en-US" altLang="zh-CN" sz="7200" b="1" dirty="0"/>
-              <a:t>Q&amp;A</a:t>
-            </a:r>
-          </a:p>
-        </p:txBody>
-      </p:sp>
+              <a:t>Thanks</a:t>
+            </a:r>
+            <a:r>
+              <a:rPr lang="zh-CN" altLang="en-US" sz="7200" b="1" dirty="0"/>
+              <a:t>！</a:t>
+            </a:r>
+            <a:endParaRPr lang="en-US" altLang="zh-CN" sz="7200" b="1" dirty="0"/>
+          </a:p>
+        </p:txBody>
+      </p:sp>
+      <p:sp>
+        <p:nvSpPr>
+          <p:cNvPr id="4" name="内容占位符 2">
+            <a:extLst>
+              <a:ext uri="{FF2B5EF4-FFF2-40B4-BE49-F238E27FC236}">
+                <a16:creationId xmlns:a16="http://schemas.microsoft.com/office/drawing/2014/main" id="{CE1BB102-53BA-4E6C-B75D-00069C757508}"/>
+              </a:ext>
+            </a:extLst>
+          </p:cNvPr>
+          <p:cNvSpPr>
+            <a:spLocks noGrp="1"/>
+          </p:cNvSpPr>
+          <p:nvPr>
+            <p:ph idx="1"/>
+          </p:nvPr>
+        </p:nvSpPr>
+        <p:spPr>
+          <a:xfrm>
+            <a:off x="437535" y="3969057"/>
+            <a:ext cx="4380271" cy="4351338"/>
+          </a:xfrm>
+        </p:spPr>
+        <p:txBody>
+          <a:bodyPr>
+            <a:normAutofit/>
+          </a:bodyPr>
+          <a:lstStyle/>
+          <a:p>
+            <a:pPr marL="457200" lvl="1" indent="0">
+              <a:buNone/>
+            </a:pPr>
+            <a:r>
+              <a:rPr lang="kl-GL" altLang="zh-CN" sz="2400" dirty="0"/>
+              <a:t>Contact me:</a:t>
+            </a:r>
+          </a:p>
+          <a:p>
+            <a:pPr marL="457200" lvl="1" indent="0">
+              <a:buNone/>
+            </a:pPr>
+            <a:r>
+              <a:rPr lang="kl-GL" altLang="zh-CN" sz="2400" dirty="0"/>
+              <a:t>ymZhu [at] apex.sjtu.edu.cn</a:t>
+            </a:r>
+          </a:p>
+          <a:p>
+            <a:pPr marL="457200" lvl="1" indent="0">
+              <a:buNone/>
+            </a:pPr>
+            <a:endParaRPr lang="kl-GL" altLang="zh-CN" sz="2400" dirty="0"/>
+          </a:p>
+          <a:p>
+            <a:pPr marL="457200" lvl="1" indent="0">
+              <a:buNone/>
+            </a:pPr>
+            <a:br>
+              <a:rPr lang="kl-GL" altLang="zh-CN" sz="1800" dirty="0"/>
+            </a:br>
+            <a:endParaRPr lang="en-US" altLang="zh-CN" sz="1800" dirty="0"/>
+          </a:p>
+        </p:txBody>
+      </p:sp>
+      <p:cxnSp>
+        <p:nvCxnSpPr>
+          <p:cNvPr id="6" name="直接连接符 5">
+            <a:extLst>
+              <a:ext uri="{FF2B5EF4-FFF2-40B4-BE49-F238E27FC236}">
+                <a16:creationId xmlns:a16="http://schemas.microsoft.com/office/drawing/2014/main" id="{21FDD7EE-B1D1-4DB2-8E30-E13D44A688BF}"/>
+              </a:ext>
+            </a:extLst>
+          </p:cNvPr>
+          <p:cNvCxnSpPr/>
+          <p:nvPr/>
+        </p:nvCxnSpPr>
+        <p:spPr>
+          <a:xfrm>
+            <a:off x="717755" y="3618271"/>
+            <a:ext cx="10235380" cy="0"/>
+          </a:xfrm>
+          <a:prstGeom prst="line">
+            <a:avLst/>
+          </a:prstGeom>
+          <a:ln>
+            <a:solidFill>
+              <a:schemeClr val="tx1"/>
+            </a:solidFill>
+          </a:ln>
+        </p:spPr>
+        <p:style>
+          <a:lnRef idx="1">
+            <a:schemeClr val="accent1"/>
+          </a:lnRef>
+          <a:fillRef idx="0">
+            <a:schemeClr val="accent1"/>
+          </a:fillRef>
+          <a:effectRef idx="0">
+            <a:schemeClr val="accent1"/>
+          </a:effectRef>
+          <a:fontRef idx="minor">
+            <a:schemeClr val="tx1"/>
+          </a:fontRef>
+        </p:style>
+      </p:cxnSp>
+      <p:cxnSp>
+        <p:nvCxnSpPr>
+          <p:cNvPr id="8" name="直接连接符 7">
+            <a:extLst>
+              <a:ext uri="{FF2B5EF4-FFF2-40B4-BE49-F238E27FC236}">
+                <a16:creationId xmlns:a16="http://schemas.microsoft.com/office/drawing/2014/main" id="{5D2441C2-BAEA-448C-B09A-8B9818246172}"/>
+              </a:ext>
+            </a:extLst>
+          </p:cNvPr>
+          <p:cNvCxnSpPr>
+            <a:cxnSpLocks/>
+          </p:cNvCxnSpPr>
+          <p:nvPr/>
+        </p:nvCxnSpPr>
+        <p:spPr>
+          <a:xfrm flipH="1">
+            <a:off x="5702711" y="3618271"/>
+            <a:ext cx="13520" cy="2949811"/>
+          </a:xfrm>
+          <a:prstGeom prst="line">
+            <a:avLst/>
+          </a:prstGeom>
+          <a:ln>
+            <a:solidFill>
+              <a:schemeClr val="tx1"/>
+            </a:solidFill>
+          </a:ln>
+        </p:spPr>
+        <p:style>
+          <a:lnRef idx="1">
+            <a:schemeClr val="accent1"/>
+          </a:lnRef>
+          <a:fillRef idx="0">
+            <a:schemeClr val="accent1"/>
+          </a:fillRef>
+          <a:effectRef idx="0">
+            <a:schemeClr val="accent1"/>
+          </a:effectRef>
+          <a:fontRef idx="minor">
+            <a:schemeClr val="tx1"/>
+          </a:fontRef>
+        </p:style>
+      </p:cxnSp>
+      <p:sp>
+        <p:nvSpPr>
+          <p:cNvPr id="9" name="内容占位符 2">
+            <a:extLst>
+              <a:ext uri="{FF2B5EF4-FFF2-40B4-BE49-F238E27FC236}">
+                <a16:creationId xmlns:a16="http://schemas.microsoft.com/office/drawing/2014/main" id="{682A638B-AD9F-47F7-90FA-A26C86E58FB6}"/>
+              </a:ext>
+            </a:extLst>
+          </p:cNvPr>
+          <p:cNvSpPr txBox="1">
+            <a:spLocks/>
+          </p:cNvSpPr>
+          <p:nvPr/>
+        </p:nvSpPr>
+        <p:spPr>
+          <a:xfrm>
+            <a:off x="6096000" y="3969057"/>
+            <a:ext cx="4380271" cy="4351338"/>
+          </a:xfrm>
+          <a:prstGeom prst="rect">
+            <a:avLst/>
+          </a:prstGeom>
+        </p:spPr>
+        <p:txBody>
+          <a:bodyPr vert="horz" lIns="91440" tIns="45720" rIns="91440" bIns="45720" rtlCol="0">
+            <a:normAutofit/>
+          </a:bodyPr>
+          <a:lstStyle>
+            <a:lvl1pPr marL="228600" indent="-228600" algn="l" defTabSz="914400" rtl="0" eaLnBrk="1" latinLnBrk="0" hangingPunct="1">
+              <a:lnSpc>
+                <a:spcPct val="90000"/>
+              </a:lnSpc>
+              <a:spcBef>
+                <a:spcPts val="1000"/>
+              </a:spcBef>
+              <a:buFont typeface="Arial" panose="020B0604020202020204" pitchFamily="34" charset="0"/>
+              <a:buChar char="•"/>
+              <a:defRPr sz="3200" kern="1200">
+                <a:solidFill>
+                  <a:schemeClr val="tx1"/>
+                </a:solidFill>
+                <a:latin typeface="+mn-lt"/>
+                <a:ea typeface="+mn-ea"/>
+                <a:cs typeface="+mn-cs"/>
+              </a:defRPr>
+            </a:lvl1pPr>
+            <a:lvl2pPr marL="685800" indent="-228600" algn="l" defTabSz="914400" rtl="0" eaLnBrk="1" latinLnBrk="0" hangingPunct="1">
+              <a:lnSpc>
+                <a:spcPct val="90000"/>
+              </a:lnSpc>
+              <a:spcBef>
+                <a:spcPts val="500"/>
+              </a:spcBef>
+              <a:buFont typeface="Arial" panose="020B0604020202020204" pitchFamily="34" charset="0"/>
+              <a:buChar char="•"/>
+              <a:defRPr sz="2800" kern="1200">
+                <a:solidFill>
+                  <a:schemeClr val="tx1"/>
+                </a:solidFill>
+                <a:latin typeface="+mn-lt"/>
+                <a:ea typeface="+mn-ea"/>
+                <a:cs typeface="+mn-cs"/>
+              </a:defRPr>
+            </a:lvl2pPr>
+            <a:lvl3pPr marL="1143000" indent="-228600" algn="l" defTabSz="914400" rtl="0" eaLnBrk="1" latinLnBrk="0" hangingPunct="1">
+              <a:lnSpc>
+                <a:spcPct val="90000"/>
+              </a:lnSpc>
+              <a:spcBef>
+                <a:spcPts val="500"/>
+              </a:spcBef>
+              <a:buFont typeface="Arial" panose="020B0604020202020204" pitchFamily="34" charset="0"/>
+              <a:buChar char="•"/>
+              <a:defRPr sz="2400" kern="1200">
+                <a:solidFill>
+                  <a:schemeClr val="tx1"/>
+                </a:solidFill>
+                <a:latin typeface="+mn-lt"/>
+                <a:ea typeface="+mn-ea"/>
+                <a:cs typeface="+mn-cs"/>
+              </a:defRPr>
+            </a:lvl3pPr>
+            <a:lvl4pPr marL="1600200" indent="-228600" algn="l" defTabSz="914400" rtl="0" eaLnBrk="1" latinLnBrk="0" hangingPunct="1">
+              <a:lnSpc>
+                <a:spcPct val="90000"/>
+              </a:lnSpc>
+              <a:spcBef>
+                <a:spcPts val="500"/>
+              </a:spcBef>
+              <a:buFont typeface="Arial" panose="020B0604020202020204" pitchFamily="34" charset="0"/>
+              <a:buChar char="•"/>
+              <a:defRPr sz="2000" kern="1200">
+                <a:solidFill>
+                  <a:schemeClr val="tx1"/>
+                </a:solidFill>
+                <a:latin typeface="+mn-lt"/>
+                <a:ea typeface="+mn-ea"/>
+                <a:cs typeface="+mn-cs"/>
+              </a:defRPr>
+            </a:lvl4pPr>
+            <a:lvl5pPr marL="2057400" indent="-228600" algn="l" defTabSz="914400" rtl="0" eaLnBrk="1" latinLnBrk="0" hangingPunct="1">
+              <a:lnSpc>
+                <a:spcPct val="90000"/>
+              </a:lnSpc>
+              <a:spcBef>
+                <a:spcPts val="500"/>
+              </a:spcBef>
+              <a:buFont typeface="Arial" panose="020B0604020202020204" pitchFamily="34" charset="0"/>
+              <a:buChar char="•"/>
+              <a:defRPr sz="2000" kern="1200">
+                <a:solidFill>
+                  <a:schemeClr val="tx1"/>
+                </a:solidFill>
+                <a:latin typeface="+mn-lt"/>
+                <a:ea typeface="+mn-ea"/>
+                <a:cs typeface="+mn-cs"/>
+              </a:defRPr>
+            </a:lvl5pPr>
+            <a:lvl6pPr marL="2514600" indent="-228600" algn="l" defTabSz="914400" rtl="0" eaLnBrk="1" latinLnBrk="0" hangingPunct="1">
+              <a:lnSpc>
+                <a:spcPct val="90000"/>
+              </a:lnSpc>
+              <a:spcBef>
+                <a:spcPts val="500"/>
+              </a:spcBef>
+              <a:buFont typeface="Arial" panose="020B0604020202020204" pitchFamily="34" charset="0"/>
+              <a:buChar char="•"/>
+              <a:defRPr sz="1800" kern="1200">
+                <a:solidFill>
+                  <a:schemeClr val="tx1"/>
+                </a:solidFill>
+                <a:latin typeface="+mn-lt"/>
+                <a:ea typeface="+mn-ea"/>
+                <a:cs typeface="+mn-cs"/>
+              </a:defRPr>
+            </a:lvl6pPr>
+            <a:lvl7pPr marL="2971800" indent="-228600" algn="l" defTabSz="914400" rtl="0" eaLnBrk="1" latinLnBrk="0" hangingPunct="1">
+              <a:lnSpc>
+                <a:spcPct val="90000"/>
+              </a:lnSpc>
+              <a:spcBef>
+                <a:spcPts val="500"/>
+              </a:spcBef>
+              <a:buFont typeface="Arial" panose="020B0604020202020204" pitchFamily="34" charset="0"/>
+              <a:buChar char="•"/>
+              <a:defRPr sz="1800" kern="1200">
+                <a:solidFill>
+                  <a:schemeClr val="tx1"/>
+                </a:solidFill>
+                <a:latin typeface="+mn-lt"/>
+                <a:ea typeface="+mn-ea"/>
+                <a:cs typeface="+mn-cs"/>
+              </a:defRPr>
+            </a:lvl7pPr>
+            <a:lvl8pPr marL="3429000" indent="-228600" algn="l" defTabSz="914400" rtl="0" eaLnBrk="1" latinLnBrk="0" hangingPunct="1">
+              <a:lnSpc>
+                <a:spcPct val="90000"/>
+              </a:lnSpc>
+              <a:spcBef>
+                <a:spcPts val="500"/>
+              </a:spcBef>
+              <a:buFont typeface="Arial" panose="020B0604020202020204" pitchFamily="34" charset="0"/>
+              <a:buChar char="•"/>
+              <a:defRPr sz="1800" kern="1200">
+                <a:solidFill>
+                  <a:schemeClr val="tx1"/>
+                </a:solidFill>
+                <a:latin typeface="+mn-lt"/>
+                <a:ea typeface="+mn-ea"/>
+                <a:cs typeface="+mn-cs"/>
+              </a:defRPr>
+            </a:lvl8pPr>
+            <a:lvl9pPr marL="3886200" indent="-228600" algn="l" defTabSz="914400" rtl="0" eaLnBrk="1" latinLnBrk="0" hangingPunct="1">
+              <a:lnSpc>
+                <a:spcPct val="90000"/>
+              </a:lnSpc>
+              <a:spcBef>
+                <a:spcPts val="500"/>
+              </a:spcBef>
+              <a:buFont typeface="Arial" panose="020B0604020202020204" pitchFamily="34" charset="0"/>
+              <a:buChar char="•"/>
+              <a:defRPr sz="1800" kern="1200">
+                <a:solidFill>
+                  <a:schemeClr val="tx1"/>
+                </a:solidFill>
+                <a:latin typeface="+mn-lt"/>
+                <a:ea typeface="+mn-ea"/>
+                <a:cs typeface="+mn-cs"/>
+              </a:defRPr>
+            </a:lvl9pPr>
+          </a:lstStyle>
+          <a:p>
+            <a:pPr marL="457200" lvl="1" indent="0">
+              <a:buFont typeface="Arial" panose="020B0604020202020204" pitchFamily="34" charset="0"/>
+              <a:buNone/>
+            </a:pPr>
+            <a:r>
+              <a:rPr lang="kl-GL" altLang="zh-CN" sz="2400" dirty="0"/>
+              <a:t>Slides:</a:t>
+            </a:r>
+          </a:p>
+          <a:p>
+            <a:pPr marL="457200" lvl="1" indent="0">
+              <a:buFont typeface="Arial" panose="020B0604020202020204" pitchFamily="34" charset="0"/>
+              <a:buNone/>
+            </a:pPr>
+            <a:endParaRPr lang="kl-GL" altLang="zh-CN" sz="2400" dirty="0"/>
+          </a:p>
+          <a:p>
+            <a:pPr marL="457200" lvl="1" indent="0">
+              <a:buFont typeface="Arial" panose="020B0604020202020204" pitchFamily="34" charset="0"/>
+              <a:buNone/>
+            </a:pPr>
+            <a:br>
+              <a:rPr lang="kl-GL" altLang="zh-CN" sz="1800" dirty="0"/>
+            </a:br>
+            <a:endParaRPr lang="en-US" altLang="zh-CN" sz="1800" dirty="0"/>
+          </a:p>
+        </p:txBody>
+      </p:sp>
+      <p:pic>
+        <p:nvPicPr>
+          <p:cNvPr id="10" name="图片 9">
+            <a:extLst>
+              <a:ext uri="{FF2B5EF4-FFF2-40B4-BE49-F238E27FC236}">
+                <a16:creationId xmlns:a16="http://schemas.microsoft.com/office/drawing/2014/main" id="{4390EA47-CB41-4B42-A238-2FE816699E0F}"/>
+              </a:ext>
+            </a:extLst>
+          </p:cNvPr>
+          <p:cNvPicPr>
+            <a:picLocks noChangeAspect="1"/>
+          </p:cNvPicPr>
+          <p:nvPr/>
+        </p:nvPicPr>
+        <p:blipFill>
+          <a:blip r:embed="rId3"/>
+          <a:stretch>
+            <a:fillRect/>
+          </a:stretch>
+        </p:blipFill>
+        <p:spPr>
+          <a:xfrm>
+            <a:off x="7753964" y="3765621"/>
+            <a:ext cx="2362200" cy="2400300"/>
+          </a:xfrm>
+          <a:prstGeom prst="rect">
+            <a:avLst/>
+          </a:prstGeom>
+        </p:spPr>
+      </p:pic>
     </p:spTree>
     <p:extLst>
       <p:ext uri="{BB962C8B-B14F-4D97-AF65-F5344CB8AC3E}">
